--- a/Пояснительная записка и презентация/Краткое описание.pptx
+++ b/Пояснительная записка и презентация/Краткое описание.pptx
@@ -7,11 +7,10 @@
   <p:sldIdLst>
     <p:sldId id="256" r:id="rId2"/>
     <p:sldId id="257" r:id="rId3"/>
-    <p:sldId id="260" r:id="rId4"/>
-    <p:sldId id="258" r:id="rId5"/>
-    <p:sldId id="262" r:id="rId6"/>
-    <p:sldId id="259" r:id="rId7"/>
-    <p:sldId id="261" r:id="rId8"/>
+    <p:sldId id="258" r:id="rId4"/>
+    <p:sldId id="259" r:id="rId5"/>
+    <p:sldId id="260" r:id="rId6"/>
+    <p:sldId id="261" r:id="rId7"/>
   </p:sldIdLst>
   <p:sldSz cx="12192000" cy="6858000"/>
   <p:notesSz cx="6858000" cy="9144000"/>
@@ -265,7 +264,7 @@
           <a:p>
             <a:fld id="{963C1C2A-13DA-4094-91CD-2C815D7169CD}" type="datetimeFigureOut">
               <a:rPr lang="ru-RU" smtClean="0"/>
-              <a:t>11.10.2024</a:t>
+              <a:t>11.12.2024</a:t>
             </a:fld>
             <a:endParaRPr lang="ru-RU"/>
           </a:p>
@@ -463,7 +462,7 @@
           <a:p>
             <a:fld id="{963C1C2A-13DA-4094-91CD-2C815D7169CD}" type="datetimeFigureOut">
               <a:rPr lang="ru-RU" smtClean="0"/>
-              <a:t>11.10.2024</a:t>
+              <a:t>11.12.2024</a:t>
             </a:fld>
             <a:endParaRPr lang="ru-RU"/>
           </a:p>
@@ -671,7 +670,7 @@
           <a:p>
             <a:fld id="{963C1C2A-13DA-4094-91CD-2C815D7169CD}" type="datetimeFigureOut">
               <a:rPr lang="ru-RU" smtClean="0"/>
-              <a:t>11.10.2024</a:t>
+              <a:t>11.12.2024</a:t>
             </a:fld>
             <a:endParaRPr lang="ru-RU"/>
           </a:p>
@@ -869,7 +868,7 @@
           <a:p>
             <a:fld id="{963C1C2A-13DA-4094-91CD-2C815D7169CD}" type="datetimeFigureOut">
               <a:rPr lang="ru-RU" smtClean="0"/>
-              <a:t>11.10.2024</a:t>
+              <a:t>11.12.2024</a:t>
             </a:fld>
             <a:endParaRPr lang="ru-RU"/>
           </a:p>
@@ -1144,7 +1143,7 @@
           <a:p>
             <a:fld id="{963C1C2A-13DA-4094-91CD-2C815D7169CD}" type="datetimeFigureOut">
               <a:rPr lang="ru-RU" smtClean="0"/>
-              <a:t>11.10.2024</a:t>
+              <a:t>11.12.2024</a:t>
             </a:fld>
             <a:endParaRPr lang="ru-RU"/>
           </a:p>
@@ -1409,7 +1408,7 @@
           <a:p>
             <a:fld id="{963C1C2A-13DA-4094-91CD-2C815D7169CD}" type="datetimeFigureOut">
               <a:rPr lang="ru-RU" smtClean="0"/>
-              <a:t>11.10.2024</a:t>
+              <a:t>11.12.2024</a:t>
             </a:fld>
             <a:endParaRPr lang="ru-RU"/>
           </a:p>
@@ -1821,7 +1820,7 @@
           <a:p>
             <a:fld id="{963C1C2A-13DA-4094-91CD-2C815D7169CD}" type="datetimeFigureOut">
               <a:rPr lang="ru-RU" smtClean="0"/>
-              <a:t>11.10.2024</a:t>
+              <a:t>11.12.2024</a:t>
             </a:fld>
             <a:endParaRPr lang="ru-RU"/>
           </a:p>
@@ -1962,7 +1961,7 @@
           <a:p>
             <a:fld id="{963C1C2A-13DA-4094-91CD-2C815D7169CD}" type="datetimeFigureOut">
               <a:rPr lang="ru-RU" smtClean="0"/>
-              <a:t>11.10.2024</a:t>
+              <a:t>11.12.2024</a:t>
             </a:fld>
             <a:endParaRPr lang="ru-RU"/>
           </a:p>
@@ -2075,7 +2074,7 @@
           <a:p>
             <a:fld id="{963C1C2A-13DA-4094-91CD-2C815D7169CD}" type="datetimeFigureOut">
               <a:rPr lang="ru-RU" smtClean="0"/>
-              <a:t>11.10.2024</a:t>
+              <a:t>11.12.2024</a:t>
             </a:fld>
             <a:endParaRPr lang="ru-RU"/>
           </a:p>
@@ -2386,7 +2385,7 @@
           <a:p>
             <a:fld id="{963C1C2A-13DA-4094-91CD-2C815D7169CD}" type="datetimeFigureOut">
               <a:rPr lang="ru-RU" smtClean="0"/>
-              <a:t>11.10.2024</a:t>
+              <a:t>11.12.2024</a:t>
             </a:fld>
             <a:endParaRPr lang="ru-RU"/>
           </a:p>
@@ -2674,7 +2673,7 @@
           <a:p>
             <a:fld id="{963C1C2A-13DA-4094-91CD-2C815D7169CD}" type="datetimeFigureOut">
               <a:rPr lang="ru-RU" smtClean="0"/>
-              <a:t>11.10.2024</a:t>
+              <a:t>11.12.2024</a:t>
             </a:fld>
             <a:endParaRPr lang="ru-RU"/>
           </a:p>
@@ -2945,7 +2944,7 @@
           <a:p>
             <a:fld id="{963C1C2A-13DA-4094-91CD-2C815D7169CD}" type="datetimeFigureOut">
               <a:rPr lang="ru-RU" smtClean="0"/>
-              <a:t>11.10.2024</a:t>
+              <a:t>11.12.2024</a:t>
             </a:fld>
             <a:endParaRPr lang="ru-RU"/>
           </a:p>
@@ -3367,7 +3366,7 @@
           <p:cNvPr id="2" name="Заголовок 1">
             <a:extLst>
               <a:ext uri="{FF2B5EF4-FFF2-40B4-BE49-F238E27FC236}">
-                <a16:creationId xmlns:a16="http://schemas.microsoft.com/office/drawing/2014/main" id="{B3696A85-F355-2432-9B1C-0078F09EE7C6}"/>
+                <a16:creationId xmlns:a16="http://schemas.microsoft.com/office/drawing/2014/main" id="{94F4A5E8-EB1B-8B5E-4A41-955840C31790}"/>
               </a:ext>
             </a:extLst>
           </p:cNvPr>
@@ -3376,189 +3375,80 @@
           </p:cNvSpPr>
           <p:nvPr>
             <p:ph type="ctrTitle"/>
+          </p:nvPr>
+        </p:nvSpPr>
+        <p:spPr/>
+        <p:txBody>
+          <a:bodyPr/>
+          <a:lstStyle/>
+          <a:p>
+            <a:r>
+              <a:rPr lang="ru-RU" dirty="0"/>
+              <a:t>Робот-официант</a:t>
+            </a:r>
+          </a:p>
+        </p:txBody>
+      </p:sp>
+      <p:sp>
+        <p:nvSpPr>
+          <p:cNvPr id="3" name="Подзаголовок 2">
+            <a:extLst>
+              <a:ext uri="{FF2B5EF4-FFF2-40B4-BE49-F238E27FC236}">
+                <a16:creationId xmlns:a16="http://schemas.microsoft.com/office/drawing/2014/main" id="{476F1E29-CDC1-C9DC-462C-2BB6C7670515}"/>
+              </a:ext>
+            </a:extLst>
+          </p:cNvPr>
+          <p:cNvSpPr>
+            <a:spLocks noGrp="1"/>
+          </p:cNvSpPr>
+          <p:nvPr>
+            <p:ph type="subTitle" idx="1"/>
           </p:nvPr>
         </p:nvSpPr>
         <p:spPr>
           <a:xfrm>
-            <a:off x="1524000" y="1351720"/>
-            <a:ext cx="9144000" cy="1908851"/>
+            <a:off x="1524000" y="3975749"/>
+            <a:ext cx="9144000" cy="1655762"/>
           </a:xfrm>
         </p:spPr>
         <p:txBody>
-          <a:bodyPr/>
-          <a:lstStyle/>
-          <a:p>
-            <a:r>
-              <a:rPr lang="ru-RU" dirty="0"/>
-              <a:t>Универсальный робот для предприятия</a:t>
-            </a:r>
-          </a:p>
-        </p:txBody>
-      </p:sp>
-      <p:sp>
-        <p:nvSpPr>
-          <p:cNvPr id="4" name="Заголовок 1">
-            <a:extLst>
-              <a:ext uri="{FF2B5EF4-FFF2-40B4-BE49-F238E27FC236}">
-                <a16:creationId xmlns:a16="http://schemas.microsoft.com/office/drawing/2014/main" id="{1EB9C1C3-5C0F-0E83-4D9A-2989F90ADA9D}"/>
-              </a:ext>
-            </a:extLst>
-          </p:cNvPr>
-          <p:cNvSpPr txBox="1">
-            <a:spLocks/>
-          </p:cNvSpPr>
-          <p:nvPr/>
-        </p:nvSpPr>
-        <p:spPr>
-          <a:xfrm>
-            <a:off x="1524000" y="3597429"/>
-            <a:ext cx="9144000" cy="2387600"/>
-          </a:xfrm>
-          <a:prstGeom prst="rect">
-            <a:avLst/>
-          </a:prstGeom>
-        </p:spPr>
-        <p:txBody>
-          <a:bodyPr vert="horz" lIns="91440" tIns="45720" rIns="91440" bIns="45720" rtlCol="0" anchor="b">
-            <a:normAutofit lnSpcReduction="10000"/>
+          <a:bodyPr>
+            <a:normAutofit/>
           </a:bodyPr>
-          <a:lstStyle>
-            <a:lvl1pPr algn="ctr" defTabSz="914400" rtl="0" eaLnBrk="1" latinLnBrk="0" hangingPunct="1">
-              <a:lnSpc>
-                <a:spcPct val="90000"/>
-              </a:lnSpc>
-              <a:spcBef>
-                <a:spcPct val="0"/>
-              </a:spcBef>
-              <a:buNone/>
-              <a:defRPr sz="6000" kern="1200">
-                <a:solidFill>
-                  <a:schemeClr val="tx1"/>
-                </a:solidFill>
-                <a:latin typeface="+mj-lt"/>
-                <a:ea typeface="+mj-ea"/>
-                <a:cs typeface="+mj-cs"/>
-              </a:defRPr>
-            </a:lvl1pPr>
-          </a:lstStyle>
-          <a:p>
-            <a:r>
-              <a:rPr lang="ru-RU" dirty="0"/>
-              <a:t>Универсальный робот-помощник для малых офисов</a:t>
-            </a:r>
-          </a:p>
-        </p:txBody>
-      </p:sp>
-      <p:cxnSp>
-        <p:nvCxnSpPr>
-          <p:cNvPr id="8" name="Прямая соединительная линия 7">
-            <a:extLst>
-              <a:ext uri="{FF2B5EF4-FFF2-40B4-BE49-F238E27FC236}">
-                <a16:creationId xmlns:a16="http://schemas.microsoft.com/office/drawing/2014/main" id="{F6B3312D-597E-8D2E-2F14-26C52DE0DC82}"/>
-              </a:ext>
-            </a:extLst>
-          </p:cNvPr>
-          <p:cNvCxnSpPr>
-            <a:cxnSpLocks/>
-          </p:cNvCxnSpPr>
-          <p:nvPr/>
-        </p:nvCxnSpPr>
-        <p:spPr>
-          <a:xfrm>
-            <a:off x="1897712" y="3429000"/>
-            <a:ext cx="3866984" cy="0"/>
-          </a:xfrm>
-          <a:prstGeom prst="line">
-            <a:avLst/>
-          </a:prstGeom>
-          <a:ln w="19050"/>
-        </p:spPr>
-        <p:style>
-          <a:lnRef idx="1">
-            <a:schemeClr val="accent1"/>
-          </a:lnRef>
-          <a:fillRef idx="0">
-            <a:schemeClr val="accent1"/>
-          </a:fillRef>
-          <a:effectRef idx="0">
-            <a:schemeClr val="accent1"/>
-          </a:effectRef>
-          <a:fontRef idx="minor">
-            <a:schemeClr val="tx1"/>
-          </a:fontRef>
-        </p:style>
-      </p:cxnSp>
-      <p:cxnSp>
-        <p:nvCxnSpPr>
-          <p:cNvPr id="9" name="Прямая соединительная линия 8">
-            <a:extLst>
-              <a:ext uri="{FF2B5EF4-FFF2-40B4-BE49-F238E27FC236}">
-                <a16:creationId xmlns:a16="http://schemas.microsoft.com/office/drawing/2014/main" id="{6E02F95B-C2D9-5051-5A91-E5839273AF19}"/>
-              </a:ext>
-            </a:extLst>
-          </p:cNvPr>
-          <p:cNvCxnSpPr>
-            <a:cxnSpLocks/>
-          </p:cNvCxnSpPr>
-          <p:nvPr/>
-        </p:nvCxnSpPr>
-        <p:spPr>
-          <a:xfrm>
-            <a:off x="6469712" y="3429000"/>
-            <a:ext cx="3866984" cy="0"/>
-          </a:xfrm>
-          <a:prstGeom prst="line">
-            <a:avLst/>
-          </a:prstGeom>
-          <a:ln w="19050"/>
-        </p:spPr>
-        <p:style>
-          <a:lnRef idx="1">
-            <a:schemeClr val="accent1"/>
-          </a:lnRef>
-          <a:fillRef idx="0">
-            <a:schemeClr val="accent1"/>
-          </a:fillRef>
-          <a:effectRef idx="0">
-            <a:schemeClr val="accent1"/>
-          </a:effectRef>
-          <a:fontRef idx="minor">
-            <a:schemeClr val="tx1"/>
-          </a:fontRef>
-        </p:style>
-      </p:cxnSp>
-      <p:sp>
-        <p:nvSpPr>
-          <p:cNvPr id="10" name="TextBox 9">
-            <a:extLst>
-              <a:ext uri="{FF2B5EF4-FFF2-40B4-BE49-F238E27FC236}">
-                <a16:creationId xmlns:a16="http://schemas.microsoft.com/office/drawing/2014/main" id="{75B3E6F2-0E08-84F6-661D-AA6683601DF1}"/>
-              </a:ext>
-            </a:extLst>
-          </p:cNvPr>
-          <p:cNvSpPr txBox="1"/>
-          <p:nvPr/>
-        </p:nvSpPr>
-        <p:spPr>
-          <a:xfrm>
-            <a:off x="5820355" y="3254363"/>
-            <a:ext cx="548640" cy="338554"/>
-          </a:xfrm>
-          <a:prstGeom prst="rect">
-            <a:avLst/>
-          </a:prstGeom>
-          <a:noFill/>
-        </p:spPr>
-        <p:txBody>
-          <a:bodyPr wrap="square" rtlCol="0">
-            <a:spAutoFit/>
-          </a:bodyPr>
-          <a:lstStyle/>
-          <a:p>
-            <a:pPr algn="ctr"/>
-            <a:r>
-              <a:rPr lang="ru-RU" sz="1600" dirty="0"/>
-              <a:t>или</a:t>
+          <a:lstStyle/>
+          <a:p>
+            <a:pPr algn="r"/>
+            <a:r>
+              <a:rPr lang="ru-RU" sz="2000" dirty="0"/>
+              <a:t>Выполнил:</a:t>
+            </a:r>
+            <a:br>
+              <a:rPr lang="ru-RU" sz="2000" dirty="0"/>
+            </a:br>
+            <a:r>
+              <a:rPr lang="ru-RU" sz="2000" dirty="0"/>
+              <a:t>Романов Максим 9З</a:t>
+            </a:r>
+            <a:br>
+              <a:rPr lang="ru-RU" sz="2000" dirty="0"/>
+            </a:br>
+            <a:r>
+              <a:rPr lang="ru-RU" sz="2000" dirty="0"/>
+              <a:t>Школа №1502</a:t>
+            </a:r>
+            <a:br>
+              <a:rPr lang="ru-RU" sz="2000" dirty="0"/>
+            </a:br>
+            <a:r>
+              <a:rPr lang="ru-RU" sz="2000" dirty="0"/>
+              <a:t>Научный руководитель:</a:t>
+            </a:r>
+            <a:br>
+              <a:rPr lang="ru-RU" sz="2000" dirty="0"/>
+            </a:br>
+            <a:r>
+              <a:rPr lang="ru-RU" sz="2000" dirty="0"/>
+              <a:t>Черепанов Сергей Павлович</a:t>
             </a:r>
           </a:p>
         </p:txBody>
@@ -3566,7 +3456,7 @@
     </p:spTree>
     <p:extLst>
       <p:ext uri="{BB962C8B-B14F-4D97-AF65-F5344CB8AC3E}">
-        <p14:creationId xmlns:p14="http://schemas.microsoft.com/office/powerpoint/2010/main" val="3341491526"/>
+        <p14:creationId xmlns:p14="http://schemas.microsoft.com/office/powerpoint/2010/main" val="476089199"/>
       </p:ext>
     </p:extLst>
   </p:cSld>
@@ -3598,7 +3488,7 @@
           <p:cNvPr id="2" name="Заголовок 1">
             <a:extLst>
               <a:ext uri="{FF2B5EF4-FFF2-40B4-BE49-F238E27FC236}">
-                <a16:creationId xmlns:a16="http://schemas.microsoft.com/office/drawing/2014/main" id="{FBDDDE88-6793-C612-E52E-8E8E4A7CDFBE}"/>
+                <a16:creationId xmlns:a16="http://schemas.microsoft.com/office/drawing/2014/main" id="{6267A19D-4F1A-F5AE-0BA3-E33B8F098BAF}"/>
               </a:ext>
             </a:extLst>
           </p:cNvPr>
@@ -3616,7 +3506,7 @@
           <a:p>
             <a:r>
               <a:rPr lang="ru-RU" b="1" dirty="0"/>
-              <a:t>Идея</a:t>
+              <a:t>Актуальность</a:t>
             </a:r>
           </a:p>
         </p:txBody>
@@ -3626,7 +3516,7 @@
           <p:cNvPr id="3" name="Объект 2">
             <a:extLst>
               <a:ext uri="{FF2B5EF4-FFF2-40B4-BE49-F238E27FC236}">
-                <a16:creationId xmlns:a16="http://schemas.microsoft.com/office/drawing/2014/main" id="{27202B86-695E-A94B-D28C-F9D48FF6316B}"/>
+                <a16:creationId xmlns:a16="http://schemas.microsoft.com/office/drawing/2014/main" id="{D66E2678-FD26-B1FE-9AEF-CB9A1F80B0FC}"/>
               </a:ext>
             </a:extLst>
           </p:cNvPr>
@@ -3639,105 +3529,56 @@
         </p:nvSpPr>
         <p:spPr>
           <a:xfrm>
-            <a:off x="838200" y="1926287"/>
-            <a:ext cx="10515600" cy="1124074"/>
+            <a:off x="703027" y="2334508"/>
+            <a:ext cx="10785945" cy="4312782"/>
           </a:xfrm>
         </p:spPr>
         <p:txBody>
-          <a:bodyPr/>
-          <a:lstStyle/>
-          <a:p>
-            <a:pPr marL="0" indent="0">
-              <a:buNone/>
-            </a:pPr>
+          <a:bodyPr>
+            <a:noAutofit/>
+          </a:bodyPr>
+          <a:lstStyle/>
+          <a:p>
             <a:r>
               <a:rPr lang="ru-RU" dirty="0"/>
-              <a:t>Создать робота, который будет иметь </a:t>
-            </a:r>
-            <a:r>
-              <a:rPr lang="ru-RU" b="1" dirty="0"/>
-              <a:t>разные функциональные модули</a:t>
+              <a:t>В наше время повсеместно происходит замена человеческого труда роботизированным. </a:t>
+            </a:r>
+            <a:r>
+              <a:rPr lang="ru-RU" u="sng" dirty="0"/>
+              <a:t>Сфера обслуживания</a:t>
             </a:r>
             <a:r>
               <a:rPr lang="ru-RU" dirty="0"/>
-              <a:t>, предназначенные для </a:t>
-            </a:r>
-            <a:r>
-              <a:rPr lang="ru-RU" b="1" dirty="0"/>
-              <a:t>разных задач</a:t>
-            </a:r>
-          </a:p>
-        </p:txBody>
-      </p:sp>
-      <p:sp>
-        <p:nvSpPr>
-          <p:cNvPr id="4" name="TextBox 3">
-            <a:extLst>
-              <a:ext uri="{FF2B5EF4-FFF2-40B4-BE49-F238E27FC236}">
-                <a16:creationId xmlns:a16="http://schemas.microsoft.com/office/drawing/2014/main" id="{52BF29D3-B22C-2885-3379-92E835471E16}"/>
-              </a:ext>
-            </a:extLst>
-          </p:cNvPr>
-          <p:cNvSpPr txBox="1"/>
-          <p:nvPr/>
-        </p:nvSpPr>
-        <p:spPr>
-          <a:xfrm>
-            <a:off x="838200" y="3199131"/>
-            <a:ext cx="8142136" cy="1815882"/>
-          </a:xfrm>
-          <a:prstGeom prst="rect">
-            <a:avLst/>
-          </a:prstGeom>
-          <a:noFill/>
-        </p:spPr>
-        <p:txBody>
-          <a:bodyPr wrap="square" rtlCol="0">
-            <a:spAutoFit/>
-          </a:bodyPr>
-          <a:lstStyle/>
-          <a:p>
-            <a:r>
-              <a:rPr lang="ru-RU" sz="2800" dirty="0"/>
-              <a:t>Функциональные модули:</a:t>
-            </a:r>
-          </a:p>
-          <a:p>
-            <a:pPr marL="514350" indent="-514350">
-              <a:buFont typeface="+mj-lt"/>
-              <a:buAutoNum type="arabicPeriod"/>
-            </a:pPr>
-            <a:r>
-              <a:rPr lang="ru-RU" sz="2800" dirty="0"/>
-              <a:t>Робот-помощник на складе.</a:t>
-            </a:r>
-          </a:p>
-          <a:p>
-            <a:pPr marL="514350" indent="-514350">
-              <a:buFont typeface="+mj-lt"/>
-              <a:buAutoNum type="arabicPeriod"/>
-            </a:pPr>
-            <a:r>
-              <a:rPr lang="ru-RU" sz="2800" dirty="0"/>
-              <a:t>Робот, дезинфицирующий помещения.</a:t>
-            </a:r>
-          </a:p>
-          <a:p>
-            <a:pPr marL="514350" indent="-514350">
-              <a:buFont typeface="+mj-lt"/>
-              <a:buAutoNum type="arabicPeriod"/>
-            </a:pPr>
-            <a:r>
-              <a:rPr lang="ru-RU" sz="2800" dirty="0"/>
-              <a:t>Робот-официант.</a:t>
-            </a:r>
+              <a:t> не исключение.</a:t>
+            </a:r>
+          </a:p>
+          <a:p>
+            <a:endParaRPr lang="ru-RU" dirty="0"/>
+          </a:p>
+          <a:p>
+            <a:r>
+              <a:rPr lang="ru-RU" dirty="0"/>
+              <a:t>Робот сферы обслуживания увеличивает производительность, уменьшает затраты, является «фишкой» заведения.</a:t>
+            </a:r>
+          </a:p>
+          <a:p>
+            <a:endParaRPr lang="ru-RU" dirty="0"/>
+          </a:p>
+          <a:p>
+            <a:endParaRPr lang="ru-RU" dirty="0"/>
+          </a:p>
+          <a:p>
+            <a:endParaRPr lang="ru-RU" dirty="0"/>
+          </a:p>
+          <a:p>
+            <a:endParaRPr lang="ru-RU" dirty="0"/>
           </a:p>
         </p:txBody>
       </p:sp>
     </p:spTree>
     <p:extLst>
       <p:ext uri="{BB962C8B-B14F-4D97-AF65-F5344CB8AC3E}">
-        <p14:creationId xmlns:p14="http://schemas.microsoft.com/office/powerpoint/2010/main" val="1645420257"/>
+        <p14:creationId xmlns:p14="http://schemas.microsoft.com/office/powerpoint/2010/main" val="700964039"/>
       </p:ext>
     </p:extLst>
   </p:cSld>
@@ -3769,7 +3610,7 @@
           <p:cNvPr id="2" name="Заголовок 1">
             <a:extLst>
               <a:ext uri="{FF2B5EF4-FFF2-40B4-BE49-F238E27FC236}">
-                <a16:creationId xmlns:a16="http://schemas.microsoft.com/office/drawing/2014/main" id="{6B1094DD-A23C-D550-371D-845975D346B5}"/>
+                <a16:creationId xmlns:a16="http://schemas.microsoft.com/office/drawing/2014/main" id="{8A8A1945-EAF4-AB8E-0EA4-9E9FE8C9A915}"/>
               </a:ext>
             </a:extLst>
           </p:cNvPr>
@@ -3787,523 +3628,51 @@
           <a:p>
             <a:r>
               <a:rPr lang="ru-RU" b="1" dirty="0"/>
-              <a:t>Общая конструкция</a:t>
-            </a:r>
-          </a:p>
-        </p:txBody>
-      </p:sp>
-      <p:sp>
-        <p:nvSpPr>
-          <p:cNvPr id="9" name="Полилиния: фигура 8">
-            <a:extLst>
-              <a:ext uri="{FF2B5EF4-FFF2-40B4-BE49-F238E27FC236}">
-                <a16:creationId xmlns:a16="http://schemas.microsoft.com/office/drawing/2014/main" id="{18456A32-8F1B-9AB5-BD36-8CAAE7DA5AEC}"/>
-              </a:ext>
-            </a:extLst>
-          </p:cNvPr>
-          <p:cNvSpPr/>
-          <p:nvPr/>
+              <a:t>Проблема</a:t>
+            </a:r>
+          </a:p>
+        </p:txBody>
+      </p:sp>
+      <p:sp>
+        <p:nvSpPr>
+          <p:cNvPr id="3" name="Объект 2">
+            <a:extLst>
+              <a:ext uri="{FF2B5EF4-FFF2-40B4-BE49-F238E27FC236}">
+                <a16:creationId xmlns:a16="http://schemas.microsoft.com/office/drawing/2014/main" id="{58CED4EF-2785-F271-80AC-F62A2F8304BC}"/>
+              </a:ext>
+            </a:extLst>
+          </p:cNvPr>
+          <p:cNvSpPr>
+            <a:spLocks noGrp="1"/>
+          </p:cNvSpPr>
+          <p:nvPr>
+            <p:ph idx="1"/>
+          </p:nvPr>
         </p:nvSpPr>
         <p:spPr>
           <a:xfrm>
-            <a:off x="4795962" y="4198288"/>
-            <a:ext cx="2727298" cy="993913"/>
+            <a:off x="838200" y="2684366"/>
+            <a:ext cx="10515600" cy="1603375"/>
           </a:xfrm>
-          <a:custGeom>
-            <a:avLst/>
-            <a:gdLst>
-              <a:gd name="connsiteX0" fmla="*/ 0 w 2727298"/>
-              <a:gd name="connsiteY0" fmla="*/ 978010 h 993913"/>
-              <a:gd name="connsiteX1" fmla="*/ 2727298 w 2727298"/>
-              <a:gd name="connsiteY1" fmla="*/ 993913 h 993913"/>
-              <a:gd name="connsiteX2" fmla="*/ 1749287 w 2727298"/>
-              <a:gd name="connsiteY2" fmla="*/ 0 h 993913"/>
-              <a:gd name="connsiteX3" fmla="*/ 890546 w 2727298"/>
-              <a:gd name="connsiteY3" fmla="*/ 0 h 993913"/>
-              <a:gd name="connsiteX4" fmla="*/ 0 w 2727298"/>
-              <a:gd name="connsiteY4" fmla="*/ 978010 h 993913"/>
-            </a:gdLst>
-            <a:ahLst/>
-            <a:cxnLst>
-              <a:cxn ang="0">
-                <a:pos x="connsiteX0" y="connsiteY0"/>
-              </a:cxn>
-              <a:cxn ang="0">
-                <a:pos x="connsiteX1" y="connsiteY1"/>
-              </a:cxn>
-              <a:cxn ang="0">
-                <a:pos x="connsiteX2" y="connsiteY2"/>
-              </a:cxn>
-              <a:cxn ang="0">
-                <a:pos x="connsiteX3" y="connsiteY3"/>
-              </a:cxn>
-              <a:cxn ang="0">
-                <a:pos x="connsiteX4" y="connsiteY4"/>
-              </a:cxn>
-            </a:cxnLst>
-            <a:rect l="l" t="t" r="r" b="b"/>
-            <a:pathLst>
-              <a:path w="2727298" h="993913">
-                <a:moveTo>
-                  <a:pt x="0" y="978010"/>
-                </a:moveTo>
-                <a:lnTo>
-                  <a:pt x="2727298" y="993913"/>
-                </a:lnTo>
-                <a:lnTo>
-                  <a:pt x="1749287" y="0"/>
-                </a:lnTo>
-                <a:lnTo>
-                  <a:pt x="890546" y="0"/>
-                </a:lnTo>
-                <a:lnTo>
-                  <a:pt x="0" y="978010"/>
-                </a:lnTo>
-                <a:close/>
-              </a:path>
-            </a:pathLst>
-          </a:custGeom>
-          <a:solidFill>
-            <a:schemeClr val="accent1">
-              <a:lumMod val="50000"/>
-            </a:schemeClr>
-          </a:solidFill>
-          <a:ln>
-            <a:solidFill>
-              <a:schemeClr val="tx1">
-                <a:lumMod val="95000"/>
-                <a:lumOff val="5000"/>
-              </a:schemeClr>
-            </a:solidFill>
-          </a:ln>
         </p:spPr>
-        <p:style>
-          <a:lnRef idx="2">
-            <a:schemeClr val="accent1">
-              <a:shade val="15000"/>
-            </a:schemeClr>
-          </a:lnRef>
-          <a:fillRef idx="1">
-            <a:schemeClr val="accent1"/>
-          </a:fillRef>
-          <a:effectRef idx="0">
-            <a:schemeClr val="accent1"/>
-          </a:effectRef>
-          <a:fontRef idx="minor">
-            <a:schemeClr val="lt1"/>
-          </a:fontRef>
-        </p:style>
-        <p:txBody>
-          <a:bodyPr rtlCol="0" anchor="ctr"/>
-          <a:lstStyle/>
-          <a:p>
-            <a:pPr algn="ctr"/>
-            <a:endParaRPr lang="ru-RU"/>
-          </a:p>
-        </p:txBody>
-      </p:sp>
-      <p:sp>
-        <p:nvSpPr>
-          <p:cNvPr id="12" name="Равнобедренный треугольник 11">
-            <a:extLst>
-              <a:ext uri="{FF2B5EF4-FFF2-40B4-BE49-F238E27FC236}">
-                <a16:creationId xmlns:a16="http://schemas.microsoft.com/office/drawing/2014/main" id="{80932EAD-32FB-4E85-458E-F5DDCC7B6082}"/>
-              </a:ext>
-            </a:extLst>
-          </p:cNvPr>
-          <p:cNvSpPr/>
-          <p:nvPr/>
-        </p:nvSpPr>
-        <p:spPr>
-          <a:xfrm rot="10800000">
-            <a:off x="4732351" y="2393342"/>
-            <a:ext cx="2727298" cy="1431235"/>
-          </a:xfrm>
-          <a:prstGeom prst="triangle">
-            <a:avLst/>
-          </a:prstGeom>
-          <a:solidFill>
-            <a:schemeClr val="accent1">
-              <a:lumMod val="50000"/>
-            </a:schemeClr>
-          </a:solidFill>
-          <a:ln>
-            <a:solidFill>
-              <a:schemeClr val="tx1"/>
-            </a:solidFill>
-          </a:ln>
-        </p:spPr>
-        <p:style>
-          <a:lnRef idx="2">
-            <a:schemeClr val="accent1">
-              <a:shade val="15000"/>
-            </a:schemeClr>
-          </a:lnRef>
-          <a:fillRef idx="1">
-            <a:schemeClr val="accent1"/>
-          </a:fillRef>
-          <a:effectRef idx="0">
-            <a:schemeClr val="accent1"/>
-          </a:effectRef>
-          <a:fontRef idx="minor">
-            <a:schemeClr val="lt1"/>
-          </a:fontRef>
-        </p:style>
-        <p:txBody>
-          <a:bodyPr rtlCol="0" anchor="ctr"/>
-          <a:lstStyle/>
-          <a:p>
-            <a:pPr algn="ctr"/>
-            <a:endParaRPr lang="ru-RU"/>
-          </a:p>
-        </p:txBody>
-      </p:sp>
-      <p:sp>
-        <p:nvSpPr>
-          <p:cNvPr id="13" name="Стрелка: вниз 12">
-            <a:extLst>
-              <a:ext uri="{FF2B5EF4-FFF2-40B4-BE49-F238E27FC236}">
-                <a16:creationId xmlns:a16="http://schemas.microsoft.com/office/drawing/2014/main" id="{04D36592-38AC-5178-6298-B34F9CF72198}"/>
-              </a:ext>
-            </a:extLst>
-          </p:cNvPr>
-          <p:cNvSpPr/>
-          <p:nvPr/>
-        </p:nvSpPr>
-        <p:spPr>
-          <a:xfrm>
-            <a:off x="7027628" y="3108960"/>
-            <a:ext cx="302150" cy="1089328"/>
-          </a:xfrm>
-          <a:prstGeom prst="downArrow">
-            <a:avLst/>
-          </a:prstGeom>
-        </p:spPr>
-        <p:style>
-          <a:lnRef idx="2">
-            <a:schemeClr val="accent1">
-              <a:shade val="15000"/>
-            </a:schemeClr>
-          </a:lnRef>
-          <a:fillRef idx="1">
-            <a:schemeClr val="accent1"/>
-          </a:fillRef>
-          <a:effectRef idx="0">
-            <a:schemeClr val="accent1"/>
-          </a:effectRef>
-          <a:fontRef idx="minor">
-            <a:schemeClr val="lt1"/>
-          </a:fontRef>
-        </p:style>
-        <p:txBody>
-          <a:bodyPr rtlCol="0" anchor="ctr"/>
-          <a:lstStyle/>
-          <a:p>
-            <a:pPr algn="ctr"/>
-            <a:endParaRPr lang="ru-RU" dirty="0"/>
-          </a:p>
-        </p:txBody>
-      </p:sp>
-      <p:sp>
-        <p:nvSpPr>
-          <p:cNvPr id="14" name="Стрелка: вниз 13">
-            <a:extLst>
-              <a:ext uri="{FF2B5EF4-FFF2-40B4-BE49-F238E27FC236}">
-                <a16:creationId xmlns:a16="http://schemas.microsoft.com/office/drawing/2014/main" id="{89223255-6C00-BD4E-5DF6-0F70BC1795DD}"/>
-              </a:ext>
-            </a:extLst>
-          </p:cNvPr>
-          <p:cNvSpPr/>
-          <p:nvPr/>
-        </p:nvSpPr>
-        <p:spPr>
-          <a:xfrm>
-            <a:off x="4839032" y="3108960"/>
-            <a:ext cx="302150" cy="993913"/>
-          </a:xfrm>
-          <a:prstGeom prst="downArrow">
-            <a:avLst/>
-          </a:prstGeom>
-        </p:spPr>
-        <p:style>
-          <a:lnRef idx="2">
-            <a:schemeClr val="accent1">
-              <a:shade val="15000"/>
-            </a:schemeClr>
-          </a:lnRef>
-          <a:fillRef idx="1">
-            <a:schemeClr val="accent1"/>
-          </a:fillRef>
-          <a:effectRef idx="0">
-            <a:schemeClr val="accent1"/>
-          </a:effectRef>
-          <a:fontRef idx="minor">
-            <a:schemeClr val="lt1"/>
-          </a:fontRef>
-        </p:style>
-        <p:txBody>
-          <a:bodyPr rtlCol="0" anchor="ctr"/>
-          <a:lstStyle/>
-          <a:p>
-            <a:pPr algn="ctr"/>
-            <a:endParaRPr lang="ru-RU"/>
-          </a:p>
-        </p:txBody>
-      </p:sp>
-      <p:sp>
-        <p:nvSpPr>
-          <p:cNvPr id="15" name="Овал 14">
-            <a:extLst>
-              <a:ext uri="{FF2B5EF4-FFF2-40B4-BE49-F238E27FC236}">
-                <a16:creationId xmlns:a16="http://schemas.microsoft.com/office/drawing/2014/main" id="{9884D5AF-C160-B3FC-5598-D3E63CAFF6A7}"/>
-              </a:ext>
-            </a:extLst>
-          </p:cNvPr>
-          <p:cNvSpPr/>
-          <p:nvPr/>
-        </p:nvSpPr>
-        <p:spPr>
-          <a:xfrm>
-            <a:off x="5141182" y="5180273"/>
-            <a:ext cx="373710" cy="373710"/>
-          </a:xfrm>
-          <a:prstGeom prst="ellipse">
-            <a:avLst/>
-          </a:prstGeom>
-          <a:solidFill>
-            <a:schemeClr val="accent1">
-              <a:lumMod val="50000"/>
-            </a:schemeClr>
-          </a:solidFill>
-          <a:ln>
-            <a:solidFill>
-              <a:schemeClr val="tx1"/>
-            </a:solidFill>
-          </a:ln>
-        </p:spPr>
-        <p:style>
-          <a:lnRef idx="2">
-            <a:schemeClr val="accent1">
-              <a:shade val="15000"/>
-            </a:schemeClr>
-          </a:lnRef>
-          <a:fillRef idx="1">
-            <a:schemeClr val="accent1"/>
-          </a:fillRef>
-          <a:effectRef idx="0">
-            <a:schemeClr val="accent1"/>
-          </a:effectRef>
-          <a:fontRef idx="minor">
-            <a:schemeClr val="lt1"/>
-          </a:fontRef>
-        </p:style>
-        <p:txBody>
-          <a:bodyPr rtlCol="0" anchor="ctr"/>
-          <a:lstStyle/>
-          <a:p>
-            <a:pPr algn="ctr"/>
-            <a:endParaRPr lang="ru-RU"/>
-          </a:p>
-        </p:txBody>
-      </p:sp>
-      <p:sp>
-        <p:nvSpPr>
-          <p:cNvPr id="16" name="Овал 15">
-            <a:extLst>
-              <a:ext uri="{FF2B5EF4-FFF2-40B4-BE49-F238E27FC236}">
-                <a16:creationId xmlns:a16="http://schemas.microsoft.com/office/drawing/2014/main" id="{613F9456-6615-32AA-5F67-74DE038D3A5A}"/>
-              </a:ext>
-            </a:extLst>
-          </p:cNvPr>
-          <p:cNvSpPr/>
-          <p:nvPr/>
-        </p:nvSpPr>
-        <p:spPr>
-          <a:xfrm>
-            <a:off x="6840773" y="5208102"/>
-            <a:ext cx="373710" cy="373710"/>
-          </a:xfrm>
-          <a:prstGeom prst="ellipse">
-            <a:avLst/>
-          </a:prstGeom>
-          <a:solidFill>
-            <a:schemeClr val="accent1">
-              <a:lumMod val="50000"/>
-            </a:schemeClr>
-          </a:solidFill>
-          <a:ln>
-            <a:solidFill>
-              <a:schemeClr val="tx1"/>
-            </a:solidFill>
-          </a:ln>
-        </p:spPr>
-        <p:style>
-          <a:lnRef idx="2">
-            <a:schemeClr val="accent1">
-              <a:shade val="15000"/>
-            </a:schemeClr>
-          </a:lnRef>
-          <a:fillRef idx="1">
-            <a:schemeClr val="accent1"/>
-          </a:fillRef>
-          <a:effectRef idx="0">
-            <a:schemeClr val="accent1"/>
-          </a:effectRef>
-          <a:fontRef idx="minor">
-            <a:schemeClr val="lt1"/>
-          </a:fontRef>
-        </p:style>
-        <p:txBody>
-          <a:bodyPr rtlCol="0" anchor="ctr"/>
-          <a:lstStyle/>
-          <a:p>
-            <a:pPr algn="ctr"/>
-            <a:endParaRPr lang="ru-RU"/>
-          </a:p>
-        </p:txBody>
-      </p:sp>
-      <p:sp>
-        <p:nvSpPr>
-          <p:cNvPr id="3" name="Прямоугольник 2">
-            <a:extLst>
-              <a:ext uri="{FF2B5EF4-FFF2-40B4-BE49-F238E27FC236}">
-                <a16:creationId xmlns:a16="http://schemas.microsoft.com/office/drawing/2014/main" id="{0DFD1EC9-D8A8-E35A-DE56-82CB35584458}"/>
-              </a:ext>
-            </a:extLst>
-          </p:cNvPr>
-          <p:cNvSpPr/>
-          <p:nvPr/>
-        </p:nvSpPr>
-        <p:spPr>
-          <a:xfrm>
-            <a:off x="4962940" y="2059387"/>
-            <a:ext cx="437322" cy="331016"/>
-          </a:xfrm>
-          <a:prstGeom prst="rect">
-            <a:avLst/>
-          </a:prstGeom>
-        </p:spPr>
-        <p:style>
-          <a:lnRef idx="2">
-            <a:schemeClr val="accent1">
-              <a:shade val="15000"/>
-            </a:schemeClr>
-          </a:lnRef>
-          <a:fillRef idx="1">
-            <a:schemeClr val="accent1"/>
-          </a:fillRef>
-          <a:effectRef idx="0">
-            <a:schemeClr val="accent1"/>
-          </a:effectRef>
-          <a:fontRef idx="minor">
-            <a:schemeClr val="lt1"/>
-          </a:fontRef>
-        </p:style>
-        <p:txBody>
-          <a:bodyPr rtlCol="0" anchor="ctr"/>
-          <a:lstStyle/>
-          <a:p>
-            <a:pPr algn="ctr"/>
-            <a:endParaRPr lang="ru-RU"/>
-          </a:p>
-        </p:txBody>
-      </p:sp>
-      <p:sp>
-        <p:nvSpPr>
-          <p:cNvPr id="4" name="Прямоугольник 3">
-            <a:extLst>
-              <a:ext uri="{FF2B5EF4-FFF2-40B4-BE49-F238E27FC236}">
-                <a16:creationId xmlns:a16="http://schemas.microsoft.com/office/drawing/2014/main" id="{07904C4F-F74E-54FC-DB8D-1C09490F743C}"/>
-              </a:ext>
-            </a:extLst>
-          </p:cNvPr>
-          <p:cNvSpPr/>
-          <p:nvPr/>
-        </p:nvSpPr>
-        <p:spPr>
-          <a:xfrm>
-            <a:off x="5792526" y="2059387"/>
-            <a:ext cx="437322" cy="331016"/>
-          </a:xfrm>
-          <a:prstGeom prst="rect">
-            <a:avLst/>
-          </a:prstGeom>
-        </p:spPr>
-        <p:style>
-          <a:lnRef idx="2">
-            <a:schemeClr val="accent1">
-              <a:shade val="15000"/>
-            </a:schemeClr>
-          </a:lnRef>
-          <a:fillRef idx="1">
-            <a:schemeClr val="accent1"/>
-          </a:fillRef>
-          <a:effectRef idx="0">
-            <a:schemeClr val="accent1"/>
-          </a:effectRef>
-          <a:fontRef idx="minor">
-            <a:schemeClr val="lt1"/>
-          </a:fontRef>
-        </p:style>
-        <p:txBody>
-          <a:bodyPr rtlCol="0" anchor="ctr"/>
-          <a:lstStyle/>
-          <a:p>
-            <a:pPr algn="ctr"/>
-            <a:endParaRPr lang="ru-RU"/>
-          </a:p>
-        </p:txBody>
-      </p:sp>
-      <p:sp>
-        <p:nvSpPr>
-          <p:cNvPr id="5" name="Прямоугольник 4">
-            <a:extLst>
-              <a:ext uri="{FF2B5EF4-FFF2-40B4-BE49-F238E27FC236}">
-                <a16:creationId xmlns:a16="http://schemas.microsoft.com/office/drawing/2014/main" id="{46CEF642-8A45-7106-C2F8-50BF0B35126B}"/>
-              </a:ext>
-            </a:extLst>
-          </p:cNvPr>
-          <p:cNvSpPr/>
-          <p:nvPr/>
-        </p:nvSpPr>
-        <p:spPr>
-          <a:xfrm>
-            <a:off x="6622112" y="2054376"/>
-            <a:ext cx="437322" cy="331016"/>
-          </a:xfrm>
-          <a:prstGeom prst="rect">
-            <a:avLst/>
-          </a:prstGeom>
-        </p:spPr>
-        <p:style>
-          <a:lnRef idx="2">
-            <a:schemeClr val="accent1">
-              <a:shade val="15000"/>
-            </a:schemeClr>
-          </a:lnRef>
-          <a:fillRef idx="1">
-            <a:schemeClr val="accent1"/>
-          </a:fillRef>
-          <a:effectRef idx="0">
-            <a:schemeClr val="accent1"/>
-          </a:effectRef>
-          <a:fontRef idx="minor">
-            <a:schemeClr val="lt1"/>
-          </a:fontRef>
-        </p:style>
-        <p:txBody>
-          <a:bodyPr rtlCol="0" anchor="ctr"/>
-          <a:lstStyle/>
-          <a:p>
-            <a:pPr algn="ctr"/>
-            <a:endParaRPr lang="ru-RU"/>
+        <p:txBody>
+          <a:bodyPr/>
+          <a:lstStyle/>
+          <a:p>
+            <a:pPr marL="0" indent="0" algn="ctr">
+              <a:buNone/>
+            </a:pPr>
+            <a:r>
+              <a:rPr lang="ru-RU" dirty="0"/>
+              <a:t>Несмотря на то, что в сфере обслуживания уже существуют роботы-официанты, они все не подходят для ресторанов японской кухни, так как являются слишком громоздкими.</a:t>
+            </a:r>
           </a:p>
         </p:txBody>
       </p:sp>
     </p:spTree>
     <p:extLst>
       <p:ext uri="{BB962C8B-B14F-4D97-AF65-F5344CB8AC3E}">
-        <p14:creationId xmlns:p14="http://schemas.microsoft.com/office/powerpoint/2010/main" val="278463741"/>
+        <p14:creationId xmlns:p14="http://schemas.microsoft.com/office/powerpoint/2010/main" val="1694598308"/>
       </p:ext>
     </p:extLst>
   </p:cSld>
@@ -4332,10 +3701,35 @@
       </p:grpSpPr>
       <p:sp>
         <p:nvSpPr>
+          <p:cNvPr id="2" name="Заголовок 1">
+            <a:extLst>
+              <a:ext uri="{FF2B5EF4-FFF2-40B4-BE49-F238E27FC236}">
+                <a16:creationId xmlns:a16="http://schemas.microsoft.com/office/drawing/2014/main" id="{77B694E1-E018-33B6-5222-E5577FE9CC8F}"/>
+              </a:ext>
+            </a:extLst>
+          </p:cNvPr>
+          <p:cNvSpPr>
+            <a:spLocks noGrp="1"/>
+          </p:cNvSpPr>
+          <p:nvPr>
+            <p:ph type="title"/>
+          </p:nvPr>
+        </p:nvSpPr>
+        <p:spPr/>
+        <p:txBody>
+          <a:bodyPr/>
+          <a:lstStyle/>
+          <a:p>
+            <a:endParaRPr lang="ru-RU" dirty="0"/>
+          </a:p>
+        </p:txBody>
+      </p:sp>
+      <p:sp>
+        <p:nvSpPr>
           <p:cNvPr id="3" name="Объект 2">
             <a:extLst>
               <a:ext uri="{FF2B5EF4-FFF2-40B4-BE49-F238E27FC236}">
-                <a16:creationId xmlns:a16="http://schemas.microsoft.com/office/drawing/2014/main" id="{7A12A0C6-CD2D-B9F8-A14C-6428F88D6DD0}"/>
+                <a16:creationId xmlns:a16="http://schemas.microsoft.com/office/drawing/2014/main" id="{DA9386EF-DD58-F097-02F9-80229C2722B9}"/>
               </a:ext>
             </a:extLst>
           </p:cNvPr>
@@ -4346,147 +3740,19 @@
             <p:ph idx="1"/>
           </p:nvPr>
         </p:nvSpPr>
-        <p:spPr>
-          <a:xfrm>
-            <a:off x="838200" y="2054072"/>
-            <a:ext cx="10515600" cy="4351338"/>
-          </a:xfrm>
-        </p:spPr>
-        <p:txBody>
-          <a:bodyPr/>
-          <a:lstStyle/>
-          <a:p>
-            <a:pPr>
-              <a:lnSpc>
-                <a:spcPct val="100000"/>
-              </a:lnSpc>
-              <a:buFont typeface="Wingdings" panose="05000000000000000000" pitchFamily="2" charset="2"/>
-              <a:buChar char="ü"/>
-            </a:pPr>
-            <a:r>
-              <a:rPr lang="ru-RU" b="1" i="1" dirty="0"/>
-              <a:t>Актуальность</a:t>
-            </a:r>
-            <a:r>
-              <a:rPr lang="ru-RU" dirty="0"/>
-              <a:t> – в наше время очень развивается замена человеческого труда на машинный во всех сферах деятельности, в том числе и на предприятиях.</a:t>
-            </a:r>
-          </a:p>
-          <a:p>
-            <a:pPr>
-              <a:lnSpc>
-                <a:spcPct val="100000"/>
-              </a:lnSpc>
-              <a:buFont typeface="Wingdings" panose="05000000000000000000" pitchFamily="2" charset="2"/>
-              <a:buChar char="ü"/>
-            </a:pPr>
-            <a:r>
-              <a:rPr lang="ru-RU" b="1" i="1" dirty="0"/>
-              <a:t>Проблема </a:t>
-            </a:r>
-            <a:r>
-              <a:rPr lang="ru-RU" dirty="0"/>
-              <a:t>– для предприятия требуется </a:t>
-            </a:r>
-            <a:r>
-              <a:rPr lang="ru-RU" u="sng" dirty="0"/>
-              <a:t>много</a:t>
-            </a:r>
-            <a:r>
-              <a:rPr lang="ru-RU" dirty="0"/>
-              <a:t> роботов, соответственно и много ресурсов.</a:t>
-            </a:r>
-          </a:p>
-          <a:p>
-            <a:pPr>
-              <a:lnSpc>
-                <a:spcPct val="100000"/>
-              </a:lnSpc>
-              <a:buFont typeface="Wingdings" panose="05000000000000000000" pitchFamily="2" charset="2"/>
-              <a:buChar char="ü"/>
-            </a:pPr>
-            <a:r>
-              <a:rPr lang="ru-RU" b="1" i="1" dirty="0"/>
-              <a:t>Решение </a:t>
-            </a:r>
-            <a:r>
-              <a:rPr lang="ru-RU" dirty="0"/>
-              <a:t>– создать </a:t>
-            </a:r>
-            <a:r>
-              <a:rPr lang="ru-RU" u="sng" dirty="0"/>
-              <a:t>универсального</a:t>
-            </a:r>
-            <a:r>
-              <a:rPr lang="ru-RU" dirty="0"/>
-              <a:t> робота для предприятия.</a:t>
-            </a:r>
-          </a:p>
-          <a:p>
-            <a:pPr>
-              <a:lnSpc>
-                <a:spcPct val="100000"/>
-              </a:lnSpc>
-              <a:buFont typeface="Wingdings" panose="05000000000000000000" pitchFamily="2" charset="2"/>
-              <a:buChar char="ü"/>
-            </a:pPr>
-            <a:r>
-              <a:rPr lang="ru-RU" b="1" i="1" dirty="0"/>
-              <a:t>Цель </a:t>
-            </a:r>
-            <a:r>
-              <a:rPr lang="ru-RU" dirty="0"/>
-              <a:t>– создать </a:t>
-            </a:r>
-            <a:r>
-              <a:rPr lang="ru-RU" u="sng" dirty="0"/>
-              <a:t>универсального</a:t>
-            </a:r>
-            <a:r>
-              <a:rPr lang="ru-RU" dirty="0"/>
-              <a:t> робота для предприятия.</a:t>
-            </a:r>
-            <a:endParaRPr lang="ru-RU" b="1" i="1" dirty="0"/>
-          </a:p>
-        </p:txBody>
-      </p:sp>
-      <p:sp>
-        <p:nvSpPr>
-          <p:cNvPr id="7" name="Заголовок 1">
-            <a:extLst>
-              <a:ext uri="{FF2B5EF4-FFF2-40B4-BE49-F238E27FC236}">
-                <a16:creationId xmlns:a16="http://schemas.microsoft.com/office/drawing/2014/main" id="{D317B65F-1C9E-C798-A69B-B9A69820C3F2}"/>
-              </a:ext>
-            </a:extLst>
-          </p:cNvPr>
-          <p:cNvSpPr>
-            <a:spLocks noGrp="1"/>
-          </p:cNvSpPr>
-          <p:nvPr>
-            <p:ph type="title"/>
-          </p:nvPr>
-        </p:nvSpPr>
-        <p:spPr>
-          <a:xfrm>
-            <a:off x="838200" y="365125"/>
-            <a:ext cx="10515600" cy="1325563"/>
-          </a:xfrm>
-        </p:spPr>
-        <p:txBody>
-          <a:bodyPr/>
-          <a:lstStyle/>
-          <a:p>
-            <a:r>
-              <a:rPr lang="ru-RU" b="1" dirty="0"/>
-              <a:t>Вступление 1</a:t>
-            </a:r>
+        <p:spPr/>
+        <p:txBody>
+          <a:bodyPr/>
+          <a:lstStyle/>
+          <a:p>
+            <a:endParaRPr lang="ru-RU"/>
           </a:p>
         </p:txBody>
       </p:sp>
     </p:spTree>
     <p:extLst>
       <p:ext uri="{BB962C8B-B14F-4D97-AF65-F5344CB8AC3E}">
-        <p14:creationId xmlns:p14="http://schemas.microsoft.com/office/powerpoint/2010/main" val="2061522749"/>
+        <p14:creationId xmlns:p14="http://schemas.microsoft.com/office/powerpoint/2010/main" val="904017063"/>
       </p:ext>
     </p:extLst>
   </p:cSld>
@@ -4515,10 +3781,35 @@
       </p:grpSpPr>
       <p:sp>
         <p:nvSpPr>
+          <p:cNvPr id="2" name="Заголовок 1">
+            <a:extLst>
+              <a:ext uri="{FF2B5EF4-FFF2-40B4-BE49-F238E27FC236}">
+                <a16:creationId xmlns:a16="http://schemas.microsoft.com/office/drawing/2014/main" id="{32C1B4CB-CDD8-BAC7-7DB2-D9247BD93A4A}"/>
+              </a:ext>
+            </a:extLst>
+          </p:cNvPr>
+          <p:cNvSpPr>
+            <a:spLocks noGrp="1"/>
+          </p:cNvSpPr>
+          <p:nvPr>
+            <p:ph type="title"/>
+          </p:nvPr>
+        </p:nvSpPr>
+        <p:spPr/>
+        <p:txBody>
+          <a:bodyPr/>
+          <a:lstStyle/>
+          <a:p>
+            <a:endParaRPr lang="ru-RU"/>
+          </a:p>
+        </p:txBody>
+      </p:sp>
+      <p:sp>
+        <p:nvSpPr>
           <p:cNvPr id="3" name="Объект 2">
             <a:extLst>
               <a:ext uri="{FF2B5EF4-FFF2-40B4-BE49-F238E27FC236}">
-                <a16:creationId xmlns:a16="http://schemas.microsoft.com/office/drawing/2014/main" id="{7A12A0C6-CD2D-B9F8-A14C-6428F88D6DD0}"/>
+                <a16:creationId xmlns:a16="http://schemas.microsoft.com/office/drawing/2014/main" id="{8ACC0F80-6A40-3FD9-51EB-8709D68A014B}"/>
               </a:ext>
             </a:extLst>
           </p:cNvPr>
@@ -4529,143 +3820,19 @@
             <p:ph idx="1"/>
           </p:nvPr>
         </p:nvSpPr>
-        <p:spPr>
-          <a:xfrm>
-            <a:off x="838200" y="2054072"/>
-            <a:ext cx="10515600" cy="4351338"/>
-          </a:xfrm>
-        </p:spPr>
-        <p:txBody>
-          <a:bodyPr/>
-          <a:lstStyle/>
-          <a:p>
-            <a:pPr>
-              <a:lnSpc>
-                <a:spcPct val="100000"/>
-              </a:lnSpc>
-              <a:buFont typeface="Wingdings" panose="05000000000000000000" pitchFamily="2" charset="2"/>
-              <a:buChar char="ü"/>
-            </a:pPr>
-            <a:r>
-              <a:rPr lang="ru-RU" b="1" i="1" dirty="0"/>
-              <a:t>Актуальность</a:t>
-            </a:r>
-            <a:r>
-              <a:rPr lang="ru-RU" dirty="0"/>
-              <a:t> – сейчас очень в нашей стране открывается множество малых бизнесов, где штат сотрудников в офисе обычно не превышает 10 человек.</a:t>
-            </a:r>
-          </a:p>
-          <a:p>
-            <a:pPr>
-              <a:lnSpc>
-                <a:spcPct val="100000"/>
-              </a:lnSpc>
-              <a:buFont typeface="Wingdings" panose="05000000000000000000" pitchFamily="2" charset="2"/>
-              <a:buChar char="ü"/>
-            </a:pPr>
-            <a:r>
-              <a:rPr lang="ru-RU" b="1" i="1" dirty="0"/>
-              <a:t>Проблема </a:t>
-            </a:r>
-            <a:r>
-              <a:rPr lang="ru-RU" dirty="0"/>
-              <a:t>– чтобы минимизировать затрату времени на рутинные задачи в офисе, можно заменить какой-то процент человеческого труда на роботизированный. Но для малых офисов покупать разных роботов под разные задачи </a:t>
-            </a:r>
-            <a:r>
-              <a:rPr lang="ru-RU" u="sng" dirty="0"/>
-              <a:t>дорого.</a:t>
-            </a:r>
-          </a:p>
-          <a:p>
-            <a:pPr>
-              <a:lnSpc>
-                <a:spcPct val="100000"/>
-              </a:lnSpc>
-              <a:buFont typeface="Wingdings" panose="05000000000000000000" pitchFamily="2" charset="2"/>
-              <a:buChar char="ü"/>
-            </a:pPr>
-            <a:r>
-              <a:rPr lang="ru-RU" b="1" i="1" dirty="0"/>
-              <a:t>Решение </a:t>
-            </a:r>
-            <a:r>
-              <a:rPr lang="ru-RU" dirty="0"/>
-              <a:t>– </a:t>
-            </a:r>
-            <a:r>
-              <a:rPr lang="ru-RU" u="sng" dirty="0"/>
-              <a:t>универсальный</a:t>
-            </a:r>
-            <a:r>
-              <a:rPr lang="ru-RU" dirty="0"/>
-              <a:t> робот для малых офисов.</a:t>
-            </a:r>
-          </a:p>
-          <a:p>
-            <a:pPr>
-              <a:lnSpc>
-                <a:spcPct val="100000"/>
-              </a:lnSpc>
-              <a:buFont typeface="Wingdings" panose="05000000000000000000" pitchFamily="2" charset="2"/>
-              <a:buChar char="ü"/>
-            </a:pPr>
-            <a:r>
-              <a:rPr lang="ru-RU" b="1" i="1" dirty="0"/>
-              <a:t>Цель </a:t>
-            </a:r>
-            <a:r>
-              <a:rPr lang="ru-RU" dirty="0"/>
-              <a:t>– создание </a:t>
-            </a:r>
-            <a:r>
-              <a:rPr lang="ru-RU" u="sng" dirty="0"/>
-              <a:t>универсального</a:t>
-            </a:r>
-            <a:r>
-              <a:rPr lang="ru-RU" dirty="0"/>
-              <a:t> робота для малых офисов.</a:t>
-            </a:r>
-            <a:endParaRPr lang="ru-RU" b="1" i="1" dirty="0"/>
-          </a:p>
-        </p:txBody>
-      </p:sp>
-      <p:sp>
-        <p:nvSpPr>
-          <p:cNvPr id="7" name="Заголовок 1">
-            <a:extLst>
-              <a:ext uri="{FF2B5EF4-FFF2-40B4-BE49-F238E27FC236}">
-                <a16:creationId xmlns:a16="http://schemas.microsoft.com/office/drawing/2014/main" id="{D317B65F-1C9E-C798-A69B-B9A69820C3F2}"/>
-              </a:ext>
-            </a:extLst>
-          </p:cNvPr>
-          <p:cNvSpPr>
-            <a:spLocks noGrp="1"/>
-          </p:cNvSpPr>
-          <p:nvPr>
-            <p:ph type="title"/>
-          </p:nvPr>
-        </p:nvSpPr>
-        <p:spPr>
-          <a:xfrm>
-            <a:off x="838200" y="365125"/>
-            <a:ext cx="10515600" cy="1325563"/>
-          </a:xfrm>
-        </p:spPr>
-        <p:txBody>
-          <a:bodyPr/>
-          <a:lstStyle/>
-          <a:p>
-            <a:r>
-              <a:rPr lang="ru-RU" b="1" dirty="0"/>
-              <a:t>Вступление 2</a:t>
-            </a:r>
+        <p:spPr/>
+        <p:txBody>
+          <a:bodyPr/>
+          <a:lstStyle/>
+          <a:p>
+            <a:endParaRPr lang="ru-RU"/>
           </a:p>
         </p:txBody>
       </p:sp>
     </p:spTree>
     <p:extLst>
       <p:ext uri="{BB962C8B-B14F-4D97-AF65-F5344CB8AC3E}">
-        <p14:creationId xmlns:p14="http://schemas.microsoft.com/office/powerpoint/2010/main" val="32420402"/>
+        <p14:creationId xmlns:p14="http://schemas.microsoft.com/office/powerpoint/2010/main" val="740250686"/>
       </p:ext>
     </p:extLst>
   </p:cSld>
@@ -4694,10 +3861,35 @@
       </p:grpSpPr>
       <p:sp>
         <p:nvSpPr>
+          <p:cNvPr id="2" name="Заголовок 1">
+            <a:extLst>
+              <a:ext uri="{FF2B5EF4-FFF2-40B4-BE49-F238E27FC236}">
+                <a16:creationId xmlns:a16="http://schemas.microsoft.com/office/drawing/2014/main" id="{F227FC49-37D2-35B8-ECCF-418091728845}"/>
+              </a:ext>
+            </a:extLst>
+          </p:cNvPr>
+          <p:cNvSpPr>
+            <a:spLocks noGrp="1"/>
+          </p:cNvSpPr>
+          <p:nvPr>
+            <p:ph type="title"/>
+          </p:nvPr>
+        </p:nvSpPr>
+        <p:spPr/>
+        <p:txBody>
+          <a:bodyPr/>
+          <a:lstStyle/>
+          <a:p>
+            <a:endParaRPr lang="ru-RU"/>
+          </a:p>
+        </p:txBody>
+      </p:sp>
+      <p:sp>
+        <p:nvSpPr>
           <p:cNvPr id="3" name="Объект 2">
             <a:extLst>
               <a:ext uri="{FF2B5EF4-FFF2-40B4-BE49-F238E27FC236}">
-                <a16:creationId xmlns:a16="http://schemas.microsoft.com/office/drawing/2014/main" id="{EBF0D16C-F292-FE63-B9EA-E2CAA05A53A9}"/>
+                <a16:creationId xmlns:a16="http://schemas.microsoft.com/office/drawing/2014/main" id="{C085533F-F5C8-4940-E4A5-0C1E99F26F66}"/>
               </a:ext>
             </a:extLst>
           </p:cNvPr>
@@ -4708,278 +3900,19 @@
             <p:ph idx="1"/>
           </p:nvPr>
         </p:nvSpPr>
-        <p:spPr>
-          <a:xfrm>
-            <a:off x="838200" y="1897187"/>
-            <a:ext cx="10515600" cy="4351338"/>
-          </a:xfrm>
-        </p:spPr>
-        <p:txBody>
-          <a:bodyPr>
-            <a:normAutofit/>
-          </a:bodyPr>
-          <a:lstStyle/>
-          <a:p>
-            <a:pPr marL="0" indent="0">
-              <a:buNone/>
-            </a:pPr>
-            <a:r>
-              <a:rPr lang="ru-RU" sz="3200" b="1" i="1" dirty="0"/>
-              <a:t>План:</a:t>
-            </a:r>
-          </a:p>
-          <a:p>
-            <a:pPr marL="514350" indent="-514350">
-              <a:buFont typeface="+mj-lt"/>
-              <a:buAutoNum type="arabicPeriod"/>
-            </a:pPr>
-            <a:r>
-              <a:rPr lang="ru-RU" dirty="0"/>
-              <a:t>Создать платформу для робота с устройством управления.</a:t>
-            </a:r>
-          </a:p>
-          <a:p>
-            <a:pPr marL="514350" indent="-514350">
-              <a:buFont typeface="+mj-lt"/>
-              <a:buAutoNum type="arabicPeriod"/>
-            </a:pPr>
-            <a:r>
-              <a:rPr lang="ru-RU" dirty="0"/>
-              <a:t>Создать конструкцию песочных часов и распечатать её.</a:t>
-            </a:r>
-          </a:p>
-          <a:p>
-            <a:pPr marL="514350" indent="-514350">
-              <a:buFont typeface="+mj-lt"/>
-              <a:buAutoNum type="arabicPeriod"/>
-            </a:pPr>
-            <a:r>
-              <a:rPr lang="ru-RU" dirty="0"/>
-              <a:t>Сделать движение по линии</a:t>
-            </a:r>
-          </a:p>
-          <a:p>
-            <a:pPr marL="514350" indent="-514350">
-              <a:buFont typeface="+mj-lt"/>
-              <a:buAutoNum type="arabicPeriod"/>
-            </a:pPr>
-            <a:r>
-              <a:rPr lang="ru-RU" dirty="0"/>
-              <a:t>Сделать крепления для вещей наверху</a:t>
-            </a:r>
-          </a:p>
-          <a:p>
-            <a:pPr marL="514350" indent="-514350">
-              <a:buFont typeface="+mj-lt"/>
-              <a:buAutoNum type="arabicPeriod"/>
-            </a:pPr>
-            <a:r>
-              <a:rPr lang="ru-RU" dirty="0"/>
-              <a:t>Совместить всё и доделать первую насадку</a:t>
-            </a:r>
-          </a:p>
-          <a:p>
-            <a:pPr marL="514350" indent="-514350">
-              <a:buFont typeface="+mj-lt"/>
-              <a:buAutoNum type="arabicPeriod"/>
-            </a:pPr>
-            <a:r>
-              <a:rPr lang="ru-RU" dirty="0"/>
-              <a:t>Вторая насадка…</a:t>
-            </a:r>
-          </a:p>
-          <a:p>
-            <a:pPr marL="514350" indent="-514350">
-              <a:buFont typeface="+mj-lt"/>
-              <a:buAutoNum type="arabicPeriod"/>
-            </a:pPr>
-            <a:r>
-              <a:rPr lang="ru-RU" dirty="0"/>
-              <a:t>Третья насадка…</a:t>
-            </a:r>
-          </a:p>
-        </p:txBody>
-      </p:sp>
-      <p:sp>
-        <p:nvSpPr>
-          <p:cNvPr id="4" name="Заголовок 1">
-            <a:extLst>
-              <a:ext uri="{FF2B5EF4-FFF2-40B4-BE49-F238E27FC236}">
-                <a16:creationId xmlns:a16="http://schemas.microsoft.com/office/drawing/2014/main" id="{4EAA553D-BF8C-123B-0FAB-6198C99D5DD0}"/>
-              </a:ext>
-            </a:extLst>
-          </p:cNvPr>
-          <p:cNvSpPr>
-            <a:spLocks noGrp="1"/>
-          </p:cNvSpPr>
-          <p:nvPr>
-            <p:ph type="title"/>
-          </p:nvPr>
-        </p:nvSpPr>
-        <p:spPr>
-          <a:xfrm>
-            <a:off x="838200" y="365125"/>
-            <a:ext cx="10515600" cy="1325563"/>
-          </a:xfrm>
-        </p:spPr>
-        <p:txBody>
-          <a:bodyPr/>
-          <a:lstStyle/>
-          <a:p>
-            <a:r>
-              <a:rPr lang="ru-RU" b="1" dirty="0"/>
-              <a:t>Вступление</a:t>
-            </a:r>
+        <p:spPr/>
+        <p:txBody>
+          <a:bodyPr/>
+          <a:lstStyle/>
+          <a:p>
+            <a:endParaRPr lang="ru-RU"/>
           </a:p>
         </p:txBody>
       </p:sp>
     </p:spTree>
     <p:extLst>
       <p:ext uri="{BB962C8B-B14F-4D97-AF65-F5344CB8AC3E}">
-        <p14:creationId xmlns:p14="http://schemas.microsoft.com/office/powerpoint/2010/main" val="2762708642"/>
-      </p:ext>
-    </p:extLst>
-  </p:cSld>
-  <p:clrMapOvr>
-    <a:masterClrMapping/>
-  </p:clrMapOvr>
-</p:sld>
-</file>
-
-<file path=ppt/slides/slide7.xml><?xml version="1.0" encoding="utf-8"?>
-<p:sld xmlns:a="http://schemas.openxmlformats.org/drawingml/2006/main" xmlns:r="http://schemas.openxmlformats.org/officeDocument/2006/relationships" xmlns:p="http://schemas.openxmlformats.org/presentationml/2006/main">
-  <p:cSld>
-    <p:spTree>
-      <p:nvGrpSpPr>
-        <p:cNvPr id="1" name=""/>
-        <p:cNvGrpSpPr/>
-        <p:nvPr/>
-      </p:nvGrpSpPr>
-      <p:grpSpPr>
-        <a:xfrm>
-          <a:off x="0" y="0"/>
-          <a:ext cx="0" cy="0"/>
-          <a:chOff x="0" y="0"/>
-          <a:chExt cx="0" cy="0"/>
-        </a:xfrm>
-      </p:grpSpPr>
-      <p:sp>
-        <p:nvSpPr>
-          <p:cNvPr id="2" name="Заголовок 1">
-            <a:extLst>
-              <a:ext uri="{FF2B5EF4-FFF2-40B4-BE49-F238E27FC236}">
-                <a16:creationId xmlns:a16="http://schemas.microsoft.com/office/drawing/2014/main" id="{2DCD6FC0-2F72-948E-25D4-CB7D8ED8121B}"/>
-              </a:ext>
-            </a:extLst>
-          </p:cNvPr>
-          <p:cNvSpPr>
-            <a:spLocks noGrp="1"/>
-          </p:cNvSpPr>
-          <p:nvPr>
-            <p:ph type="title"/>
-          </p:nvPr>
-        </p:nvSpPr>
-        <p:spPr/>
-        <p:txBody>
-          <a:bodyPr/>
-          <a:lstStyle/>
-          <a:p>
-            <a:r>
-              <a:rPr lang="ru-RU" b="1" dirty="0"/>
-              <a:t>Инструменты</a:t>
-            </a:r>
-          </a:p>
-        </p:txBody>
-      </p:sp>
-      <p:sp>
-        <p:nvSpPr>
-          <p:cNvPr id="3" name="Объект 2">
-            <a:extLst>
-              <a:ext uri="{FF2B5EF4-FFF2-40B4-BE49-F238E27FC236}">
-                <a16:creationId xmlns:a16="http://schemas.microsoft.com/office/drawing/2014/main" id="{A68274DE-CC06-594A-929B-DE4FE04868DB}"/>
-              </a:ext>
-            </a:extLst>
-          </p:cNvPr>
-          <p:cNvSpPr>
-            <a:spLocks noGrp="1"/>
-          </p:cNvSpPr>
-          <p:nvPr>
-            <p:ph idx="1"/>
-          </p:nvPr>
-        </p:nvSpPr>
-        <p:spPr>
-          <a:xfrm>
-            <a:off x="838200" y="2286801"/>
-            <a:ext cx="10515600" cy="4351338"/>
-          </a:xfrm>
-        </p:spPr>
-        <p:txBody>
-          <a:bodyPr>
-            <a:normAutofit/>
-          </a:bodyPr>
-          <a:lstStyle/>
-          <a:p>
-            <a:pPr>
-              <a:buFont typeface="Wingdings" panose="05000000000000000000" pitchFamily="2" charset="2"/>
-              <a:buChar char="q"/>
-            </a:pPr>
-            <a:r>
-              <a:rPr lang="ru-RU" sz="3200" dirty="0"/>
-              <a:t>Плата </a:t>
-            </a:r>
-            <a:r>
-              <a:rPr lang="en-US" sz="3200" dirty="0"/>
-              <a:t>Arduino Mega</a:t>
-            </a:r>
-          </a:p>
-          <a:p>
-            <a:pPr>
-              <a:buFont typeface="Wingdings" panose="05000000000000000000" pitchFamily="2" charset="2"/>
-              <a:buChar char="q"/>
-            </a:pPr>
-            <a:r>
-              <a:rPr lang="ru-RU" sz="3200" dirty="0"/>
-              <a:t>Конструктор </a:t>
-            </a:r>
-            <a:r>
-              <a:rPr lang="en-US" sz="3200" dirty="0"/>
-              <a:t>VEX EDR</a:t>
-            </a:r>
-          </a:p>
-          <a:p>
-            <a:pPr>
-              <a:buFont typeface="Wingdings" panose="05000000000000000000" pitchFamily="2" charset="2"/>
-              <a:buChar char="q"/>
-            </a:pPr>
-            <a:r>
-              <a:rPr lang="ru-RU" sz="3200" dirty="0"/>
-              <a:t>Распечатанные на </a:t>
-            </a:r>
-            <a:r>
-              <a:rPr lang="en-US" sz="3200" dirty="0"/>
-              <a:t>3d </a:t>
-            </a:r>
-            <a:r>
-              <a:rPr lang="ru-RU" sz="3200" dirty="0"/>
-              <a:t>принтере составляющие</a:t>
-            </a:r>
-          </a:p>
-          <a:p>
-            <a:pPr>
-              <a:buFont typeface="Wingdings" panose="05000000000000000000" pitchFamily="2" charset="2"/>
-              <a:buChar char="q"/>
-            </a:pPr>
-            <a:r>
-              <a:rPr lang="ru-RU" sz="3200" dirty="0"/>
-              <a:t>И т. д.</a:t>
-            </a:r>
-          </a:p>
-        </p:txBody>
-      </p:sp>
-    </p:spTree>
-    <p:extLst>
-      <p:ext uri="{BB962C8B-B14F-4D97-AF65-F5344CB8AC3E}">
-        <p14:creationId xmlns:p14="http://schemas.microsoft.com/office/powerpoint/2010/main" val="3403307208"/>
+        <p14:creationId xmlns:p14="http://schemas.microsoft.com/office/powerpoint/2010/main" val="3907264735"/>
       </p:ext>
     </p:extLst>
   </p:cSld>

--- a/Пояснительная записка и презентация/Краткое описание.pptx
+++ b/Пояснительная записка и презентация/Краткое описание.pptx
@@ -264,7 +264,7 @@
           <a:p>
             <a:fld id="{963C1C2A-13DA-4094-91CD-2C815D7169CD}" type="datetimeFigureOut">
               <a:rPr lang="ru-RU" smtClean="0"/>
-              <a:t>11.12.2024</a:t>
+              <a:t>12.12.2024</a:t>
             </a:fld>
             <a:endParaRPr lang="ru-RU"/>
           </a:p>
@@ -462,7 +462,7 @@
           <a:p>
             <a:fld id="{963C1C2A-13DA-4094-91CD-2C815D7169CD}" type="datetimeFigureOut">
               <a:rPr lang="ru-RU" smtClean="0"/>
-              <a:t>11.12.2024</a:t>
+              <a:t>12.12.2024</a:t>
             </a:fld>
             <a:endParaRPr lang="ru-RU"/>
           </a:p>
@@ -670,7 +670,7 @@
           <a:p>
             <a:fld id="{963C1C2A-13DA-4094-91CD-2C815D7169CD}" type="datetimeFigureOut">
               <a:rPr lang="ru-RU" smtClean="0"/>
-              <a:t>11.12.2024</a:t>
+              <a:t>12.12.2024</a:t>
             </a:fld>
             <a:endParaRPr lang="ru-RU"/>
           </a:p>
@@ -868,7 +868,7 @@
           <a:p>
             <a:fld id="{963C1C2A-13DA-4094-91CD-2C815D7169CD}" type="datetimeFigureOut">
               <a:rPr lang="ru-RU" smtClean="0"/>
-              <a:t>11.12.2024</a:t>
+              <a:t>12.12.2024</a:t>
             </a:fld>
             <a:endParaRPr lang="ru-RU"/>
           </a:p>
@@ -1143,7 +1143,7 @@
           <a:p>
             <a:fld id="{963C1C2A-13DA-4094-91CD-2C815D7169CD}" type="datetimeFigureOut">
               <a:rPr lang="ru-RU" smtClean="0"/>
-              <a:t>11.12.2024</a:t>
+              <a:t>12.12.2024</a:t>
             </a:fld>
             <a:endParaRPr lang="ru-RU"/>
           </a:p>
@@ -1408,7 +1408,7 @@
           <a:p>
             <a:fld id="{963C1C2A-13DA-4094-91CD-2C815D7169CD}" type="datetimeFigureOut">
               <a:rPr lang="ru-RU" smtClean="0"/>
-              <a:t>11.12.2024</a:t>
+              <a:t>12.12.2024</a:t>
             </a:fld>
             <a:endParaRPr lang="ru-RU"/>
           </a:p>
@@ -1820,7 +1820,7 @@
           <a:p>
             <a:fld id="{963C1C2A-13DA-4094-91CD-2C815D7169CD}" type="datetimeFigureOut">
               <a:rPr lang="ru-RU" smtClean="0"/>
-              <a:t>11.12.2024</a:t>
+              <a:t>12.12.2024</a:t>
             </a:fld>
             <a:endParaRPr lang="ru-RU"/>
           </a:p>
@@ -1961,7 +1961,7 @@
           <a:p>
             <a:fld id="{963C1C2A-13DA-4094-91CD-2C815D7169CD}" type="datetimeFigureOut">
               <a:rPr lang="ru-RU" smtClean="0"/>
-              <a:t>11.12.2024</a:t>
+              <a:t>12.12.2024</a:t>
             </a:fld>
             <a:endParaRPr lang="ru-RU"/>
           </a:p>
@@ -2074,7 +2074,7 @@
           <a:p>
             <a:fld id="{963C1C2A-13DA-4094-91CD-2C815D7169CD}" type="datetimeFigureOut">
               <a:rPr lang="ru-RU" smtClean="0"/>
-              <a:t>11.12.2024</a:t>
+              <a:t>12.12.2024</a:t>
             </a:fld>
             <a:endParaRPr lang="ru-RU"/>
           </a:p>
@@ -2385,7 +2385,7 @@
           <a:p>
             <a:fld id="{963C1C2A-13DA-4094-91CD-2C815D7169CD}" type="datetimeFigureOut">
               <a:rPr lang="ru-RU" smtClean="0"/>
-              <a:t>11.12.2024</a:t>
+              <a:t>12.12.2024</a:t>
             </a:fld>
             <a:endParaRPr lang="ru-RU"/>
           </a:p>
@@ -2673,7 +2673,7 @@
           <a:p>
             <a:fld id="{963C1C2A-13DA-4094-91CD-2C815D7169CD}" type="datetimeFigureOut">
               <a:rPr lang="ru-RU" smtClean="0"/>
-              <a:t>11.12.2024</a:t>
+              <a:t>12.12.2024</a:t>
             </a:fld>
             <a:endParaRPr lang="ru-RU"/>
           </a:p>
@@ -2944,7 +2944,7 @@
           <a:p>
             <a:fld id="{963C1C2A-13DA-4094-91CD-2C815D7169CD}" type="datetimeFigureOut">
               <a:rPr lang="ru-RU" smtClean="0"/>
-              <a:t>11.12.2024</a:t>
+              <a:t>12.12.2024</a:t>
             </a:fld>
             <a:endParaRPr lang="ru-RU"/>
           </a:p>
@@ -3651,8 +3651,8 @@
         </p:nvSpPr>
         <p:spPr>
           <a:xfrm>
-            <a:off x="838200" y="2684366"/>
-            <a:ext cx="10515600" cy="1603375"/>
+            <a:off x="304800" y="2183434"/>
+            <a:ext cx="5889265" cy="3191648"/>
           </a:xfrm>
         </p:spPr>
         <p:txBody>
@@ -3669,6 +3669,53 @@
           </a:p>
         </p:txBody>
       </p:sp>
+      <p:pic>
+        <p:nvPicPr>
+          <p:cNvPr id="1026" name="Picture 2" descr="Picture background">
+            <a:extLst>
+              <a:ext uri="{FF2B5EF4-FFF2-40B4-BE49-F238E27FC236}">
+                <a16:creationId xmlns:a16="http://schemas.microsoft.com/office/drawing/2014/main" id="{C1C1E84F-9D9B-D70F-1C66-FD85D352391E}"/>
+              </a:ext>
+            </a:extLst>
+          </p:cNvPr>
+          <p:cNvPicPr>
+            <a:picLocks noChangeAspect="1" noChangeArrowheads="1"/>
+          </p:cNvPicPr>
+          <p:nvPr/>
+        </p:nvPicPr>
+        <p:blipFill>
+          <a:blip r:embed="rId2">
+            <a:extLst>
+              <a:ext uri="{28A0092B-C50C-407E-A947-70E740481C1C}">
+                <a14:useLocalDpi xmlns:a14="http://schemas.microsoft.com/office/drawing/2010/main" val="0"/>
+              </a:ext>
+            </a:extLst>
+          </a:blip>
+          <a:srcRect/>
+          <a:stretch>
+            <a:fillRect/>
+          </a:stretch>
+        </p:blipFill>
+        <p:spPr bwMode="auto">
+          <a:xfrm>
+            <a:off x="6528020" y="1906139"/>
+            <a:ext cx="5359179" cy="3579764"/>
+          </a:xfrm>
+          <a:prstGeom prst="rect">
+            <a:avLst/>
+          </a:prstGeom>
+          <a:noFill/>
+          <a:extLst>
+            <a:ext uri="{909E8E84-426E-40DD-AFC4-6F175D3DCCD1}">
+              <a14:hiddenFill xmlns:a14="http://schemas.microsoft.com/office/drawing/2010/main">
+                <a:solidFill>
+                  <a:srgbClr val="FFFFFF"/>
+                </a:solidFill>
+              </a14:hiddenFill>
+            </a:ext>
+          </a:extLst>
+        </p:spPr>
+      </p:pic>
     </p:spTree>
     <p:extLst>
       <p:ext uri="{BB962C8B-B14F-4D97-AF65-F5344CB8AC3E}">
